--- a/Le langage PHP.pptx
+++ b/Le langage PHP.pptx
@@ -10,7 +10,10 @@
     <p:sldId id="258" r:id="rId4"/>
     <p:sldId id="259" r:id="rId5"/>
     <p:sldId id="260" r:id="rId6"/>
-    <p:sldId id="261" r:id="rId7"/>
+    <p:sldId id="262" r:id="rId7"/>
+    <p:sldId id="261" r:id="rId8"/>
+    <p:sldId id="263" r:id="rId9"/>
+    <p:sldId id="264" r:id="rId10"/>
   </p:sldIdLst>
   <p:sldSz cx="12192000" cy="6858000"/>
   <p:notesSz cx="6858000" cy="9144000"/>
@@ -109,6 +112,11 @@
       </a:defRPr>
     </a:lvl9pPr>
   </p:defaultTextStyle>
+  <p:extLst>
+    <p:ext uri="{EFAFB233-063F-42B5-8137-9DF3F51BA10A}">
+      <p15:sldGuideLst xmlns:p15="http://schemas.microsoft.com/office/powerpoint/2012/main"/>
+    </p:ext>
+  </p:extLst>
 </p:presentation>
 </file>
 
@@ -5929,10 +5937,18 @@
           <a:lstStyle/>
           <a:p>
             <a:r>
-              <a:rPr lang="fr-FR" b="1" dirty="0" smtClean="0"/>
-              <a:t>Le langage PHP</a:t>
-            </a:r>
-            <a:endParaRPr lang="fr-FR" b="1" dirty="0"/>
+              <a:rPr lang="fr-FR" sz="4400" b="1" dirty="0" smtClean="0">
+                <a:solidFill>
+                  <a:srgbClr val="C00000"/>
+                </a:solidFill>
+              </a:rPr>
+              <a:t>LE  LANGAGE  PHP</a:t>
+            </a:r>
+            <a:endParaRPr lang="fr-FR" sz="4400" b="1" dirty="0">
+              <a:solidFill>
+                <a:srgbClr val="C00000"/>
+              </a:solidFill>
+            </a:endParaRPr>
           </a:p>
         </p:txBody>
       </p:sp>
@@ -5973,8 +5989,8 @@
         </p:nvSpPr>
         <p:spPr>
           <a:xfrm flipH="1">
-            <a:off x="2994990" y="3843868"/>
-            <a:ext cx="6440557" cy="1200329"/>
+            <a:off x="2627450" y="3843868"/>
+            <a:ext cx="6940620" cy="1200329"/>
           </a:xfrm>
           <a:prstGeom prst="rect">
             <a:avLst/>
@@ -5988,44 +6004,89 @@
           <a:lstStyle/>
           <a:p>
             <a:r>
-              <a:rPr lang="fr-FR" b="1" u="sng" dirty="0" smtClean="0"/>
+              <a:rPr lang="fr-FR" b="1" u="sng" dirty="0" smtClean="0">
+                <a:latin typeface="Comic Sans MS" panose="030F0702030302020204" pitchFamily="66" charset="0"/>
+              </a:rPr>
               <a:t>Présentation:</a:t>
             </a:r>
             <a:r>
-              <a:rPr lang="fr-FR" dirty="0" smtClean="0"/>
+              <a:rPr lang="fr-FR" dirty="0" smtClean="0">
+                <a:latin typeface="Comic Sans MS" panose="030F0702030302020204" pitchFamily="66" charset="0"/>
+              </a:rPr>
               <a:t>                                        </a:t>
             </a:r>
             <a:r>
-              <a:rPr lang="fr-FR" b="1" u="sng" dirty="0" smtClean="0"/>
+              <a:rPr lang="fr-FR" b="1" u="sng" dirty="0" smtClean="0">
+                <a:latin typeface="Comic Sans MS" panose="030F0702030302020204" pitchFamily="66" charset="0"/>
+              </a:rPr>
               <a:t>Encadrement:</a:t>
             </a:r>
           </a:p>
           <a:p>
             <a:r>
-              <a:rPr lang="fr-FR" dirty="0" smtClean="0"/>
-              <a:t>Bethel NGAKOUTOU                         Ousseni OUEDRAOGO </a:t>
-            </a:r>
-          </a:p>
-          <a:p>
-            <a:r>
-              <a:rPr lang="fr-FR" dirty="0" err="1" smtClean="0"/>
-              <a:t>Cheryta</a:t>
-            </a:r>
-            <a:r>
-              <a:rPr lang="fr-FR" dirty="0" smtClean="0"/>
-              <a:t> ALLADOUM                           Formateur chez Simplon</a:t>
-            </a:r>
-          </a:p>
-          <a:p>
-            <a:r>
-              <a:rPr lang="fr-FR" dirty="0" err="1" smtClean="0"/>
-              <a:t>Devo</a:t>
-            </a:r>
-            <a:r>
-              <a:rPr lang="fr-FR" dirty="0" smtClean="0"/>
+              <a:rPr lang="fr-FR" dirty="0" smtClean="0">
+                <a:latin typeface="Comic Sans MS" panose="030F0702030302020204" pitchFamily="66" charset="0"/>
+              </a:rPr>
+              <a:t>Bethel  </a:t>
+            </a:r>
+            <a:r>
+              <a:rPr lang="fr-FR" dirty="0" smtClean="0">
+                <a:latin typeface="Comic Sans MS" panose="030F0702030302020204" pitchFamily="66" charset="0"/>
+              </a:rPr>
+              <a:t>NGAKOUTOU                         </a:t>
+            </a:r>
+            <a:r>
+              <a:rPr lang="fr-FR" dirty="0" err="1" smtClean="0">
+                <a:latin typeface="Comic Sans MS" panose="030F0702030302020204" pitchFamily="66" charset="0"/>
+              </a:rPr>
+              <a:t>Ousseni</a:t>
+            </a:r>
+            <a:r>
+              <a:rPr lang="fr-FR" dirty="0" smtClean="0">
+                <a:latin typeface="Comic Sans MS" panose="030F0702030302020204" pitchFamily="66" charset="0"/>
+              </a:rPr>
               <a:t> </a:t>
             </a:r>
-            <a:endParaRPr lang="fr-FR" dirty="0"/>
+            <a:r>
+              <a:rPr lang="fr-FR" dirty="0" smtClean="0">
+                <a:latin typeface="Comic Sans MS" panose="030F0702030302020204" pitchFamily="66" charset="0"/>
+              </a:rPr>
+              <a:t> OUEDRAOGO </a:t>
+            </a:r>
+            <a:endParaRPr lang="fr-FR" dirty="0" smtClean="0">
+              <a:latin typeface="Comic Sans MS" panose="030F0702030302020204" pitchFamily="66" charset="0"/>
+            </a:endParaRPr>
+          </a:p>
+          <a:p>
+            <a:r>
+              <a:rPr lang="fr-FR" dirty="0" smtClean="0">
+                <a:latin typeface="Comic Sans MS" panose="030F0702030302020204" pitchFamily="66" charset="0"/>
+              </a:rPr>
+              <a:t>Cheryta </a:t>
+            </a:r>
+            <a:r>
+              <a:rPr lang="fr-FR" dirty="0" smtClean="0">
+                <a:latin typeface="Comic Sans MS" panose="030F0702030302020204" pitchFamily="66" charset="0"/>
+              </a:rPr>
+              <a:t> MBIAPOU                           </a:t>
+            </a:r>
+            <a:r>
+              <a:rPr lang="fr-FR" dirty="0" smtClean="0">
+                <a:latin typeface="Comic Sans MS" panose="030F0702030302020204" pitchFamily="66" charset="0"/>
+              </a:rPr>
+              <a:t>Formateur chez Simplon</a:t>
+            </a:r>
+          </a:p>
+          <a:p>
+            <a:r>
+              <a:rPr lang="fr-FR" dirty="0" smtClean="0">
+                <a:latin typeface="Comic Sans MS" panose="030F0702030302020204" pitchFamily="66" charset="0"/>
+              </a:rPr>
+              <a:t>Robinson  DEVO </a:t>
+            </a:r>
+            <a:endParaRPr lang="fr-FR" dirty="0">
+              <a:latin typeface="Comic Sans MS" panose="030F0702030302020204" pitchFamily="66" charset="0"/>
+            </a:endParaRPr>
           </a:p>
         </p:txBody>
       </p:sp>
@@ -6051,8 +6112,8 @@
         </p:blipFill>
         <p:spPr>
           <a:xfrm>
-            <a:off x="2494927" y="2384814"/>
-            <a:ext cx="1000125" cy="714375"/>
+            <a:off x="2627450" y="1899943"/>
+            <a:ext cx="924133" cy="530664"/>
           </a:xfrm>
           <a:prstGeom prst="rect">
             <a:avLst/>
@@ -6104,12 +6165,19 @@
           <a:bodyPr/>
           <a:lstStyle/>
           <a:p>
-            <a:pPr algn="just"/>
-            <a:r>
-              <a:rPr lang="fr-FR" b="1" dirty="0" smtClean="0"/>
-              <a:t>Plan</a:t>
-            </a:r>
-            <a:endParaRPr lang="fr-FR" b="1" dirty="0"/>
+            <a:r>
+              <a:rPr lang="fr-FR" b="1" dirty="0" smtClean="0">
+                <a:solidFill>
+                  <a:srgbClr val="C00000"/>
+                </a:solidFill>
+              </a:rPr>
+              <a:t>PLAN</a:t>
+            </a:r>
+            <a:endParaRPr lang="fr-FR" b="1" dirty="0">
+              <a:solidFill>
+                <a:srgbClr val="C00000"/>
+              </a:solidFill>
+            </a:endParaRPr>
           </a:p>
         </p:txBody>
       </p:sp>
@@ -6132,7 +6200,9 @@
               <a:buNone/>
             </a:pPr>
             <a:r>
-              <a:rPr lang="fr-FR" b="1" dirty="0" smtClean="0"/>
+              <a:rPr lang="fr-FR" b="1" dirty="0" smtClean="0">
+                <a:latin typeface="Comic Sans MS" panose="030F0702030302020204" pitchFamily="66" charset="0"/>
+              </a:rPr>
               <a:t>Introduction</a:t>
             </a:r>
           </a:p>
@@ -6142,7 +6212,9 @@
               <a:buAutoNum type="romanUcPeriod"/>
             </a:pPr>
             <a:r>
-              <a:rPr lang="fr-FR" dirty="0" smtClean="0"/>
+              <a:rPr lang="fr-FR" dirty="0" smtClean="0">
+                <a:latin typeface="Comic Sans MS" panose="030F0702030302020204" pitchFamily="66" charset="0"/>
+              </a:rPr>
               <a:t>Présentation de PHP</a:t>
             </a:r>
           </a:p>
@@ -6152,11 +6224,15 @@
               <a:buAutoNum type="romanUcPeriod"/>
             </a:pPr>
             <a:r>
-              <a:rPr lang="fr-FR" dirty="0"/>
+              <a:rPr lang="fr-FR" dirty="0">
+                <a:latin typeface="Comic Sans MS" panose="030F0702030302020204" pitchFamily="66" charset="0"/>
+              </a:rPr>
               <a:t>F</a:t>
             </a:r>
             <a:r>
-              <a:rPr lang="fr-FR" dirty="0" smtClean="0"/>
+              <a:rPr lang="fr-FR" dirty="0" smtClean="0">
+                <a:latin typeface="Comic Sans MS" panose="030F0702030302020204" pitchFamily="66" charset="0"/>
+              </a:rPr>
               <a:t>onctionnement</a:t>
             </a:r>
           </a:p>
@@ -6166,7 +6242,9 @@
               <a:buAutoNum type="romanUcPeriod"/>
             </a:pPr>
             <a:r>
-              <a:rPr lang="fr-FR" dirty="0" smtClean="0"/>
+              <a:rPr lang="fr-FR" dirty="0" smtClean="0">
+                <a:latin typeface="Comic Sans MS" panose="030F0702030302020204" pitchFamily="66" charset="0"/>
+              </a:rPr>
               <a:t>Cas pratique sur le formulaire html et PHP</a:t>
             </a:r>
           </a:p>
@@ -6175,10 +6253,14 @@
               <a:buNone/>
             </a:pPr>
             <a:r>
-              <a:rPr lang="fr-FR" b="1" dirty="0" smtClean="0"/>
+              <a:rPr lang="fr-FR" b="1" dirty="0" smtClean="0">
+                <a:latin typeface="Comic Sans MS" panose="030F0702030302020204" pitchFamily="66" charset="0"/>
+              </a:rPr>
               <a:t>Conclusion</a:t>
             </a:r>
-            <a:endParaRPr lang="fr-FR" b="1" dirty="0"/>
+            <a:endParaRPr lang="fr-FR" b="1" dirty="0">
+              <a:latin typeface="Comic Sans MS" panose="030F0702030302020204" pitchFamily="66" charset="0"/>
+            </a:endParaRPr>
           </a:p>
         </p:txBody>
       </p:sp>
@@ -6222,17 +6304,29 @@
             <p:ph type="title"/>
           </p:nvPr>
         </p:nvSpPr>
-        <p:spPr/>
-        <p:txBody>
-          <a:bodyPr/>
-          <a:lstStyle/>
-          <a:p>
-            <a:pPr algn="just"/>
-            <a:r>
-              <a:rPr lang="fr-FR" b="1" dirty="0" smtClean="0"/>
-              <a:t>Introduction</a:t>
-            </a:r>
-            <a:endParaRPr lang="fr-FR" b="1" dirty="0"/>
+        <p:spPr>
+          <a:xfrm>
+            <a:off x="1295402" y="982133"/>
+            <a:ext cx="9601196" cy="1111710"/>
+          </a:xfrm>
+        </p:spPr>
+        <p:txBody>
+          <a:bodyPr anchor="t"/>
+          <a:lstStyle/>
+          <a:p>
+            <a:r>
+              <a:rPr lang="fr-FR" b="1" dirty="0" smtClean="0">
+                <a:solidFill>
+                  <a:srgbClr val="C00000"/>
+                </a:solidFill>
+              </a:rPr>
+              <a:t>INTRODUCTION</a:t>
+            </a:r>
+            <a:endParaRPr lang="fr-FR" b="1" dirty="0">
+              <a:solidFill>
+                <a:srgbClr val="C00000"/>
+              </a:solidFill>
+            </a:endParaRPr>
           </a:p>
         </p:txBody>
       </p:sp>
@@ -6246,25 +6340,46 @@
             <p:ph idx="1"/>
           </p:nvPr>
         </p:nvSpPr>
-        <p:spPr/>
+        <p:spPr>
+          <a:xfrm>
+            <a:off x="967409" y="2556932"/>
+            <a:ext cx="10230678" cy="3552320"/>
+          </a:xfrm>
+        </p:spPr>
         <p:txBody>
           <a:bodyPr/>
           <a:lstStyle/>
           <a:p>
             <a:pPr algn="just">
               <a:buFont typeface="Wingdings" panose="05000000000000000000" pitchFamily="2" charset="2"/>
-              <a:buChar char="v"/>
+              <a:buChar char="ü"/>
             </a:pPr>
             <a:r>
-              <a:rPr lang="fr-FR" dirty="0"/>
-              <a:t>Le langage </a:t>
-            </a:r>
-            <a:r>
-              <a:rPr lang="fr-FR" b="1" dirty="0"/>
+              <a:rPr lang="fr-FR" dirty="0" smtClean="0"/>
+              <a:t>  </a:t>
+            </a:r>
+            <a:r>
+              <a:rPr lang="fr-FR" dirty="0" smtClean="0">
+                <a:latin typeface="Comic Sans MS" panose="030F0702030302020204" pitchFamily="66" charset="0"/>
+              </a:rPr>
+              <a:t>Le </a:t>
+            </a:r>
+            <a:r>
+              <a:rPr lang="fr-FR" dirty="0">
+                <a:latin typeface="Comic Sans MS" panose="030F0702030302020204" pitchFamily="66" charset="0"/>
+              </a:rPr>
+              <a:t>langage </a:t>
+            </a:r>
+            <a:r>
+              <a:rPr lang="fr-FR" b="1" dirty="0">
+                <a:latin typeface="Comic Sans MS" panose="030F0702030302020204" pitchFamily="66" charset="0"/>
+              </a:rPr>
               <a:t>PHP</a:t>
             </a:r>
             <a:r>
-              <a:rPr lang="fr-FR" dirty="0"/>
+              <a:rPr lang="fr-FR" dirty="0">
+                <a:latin typeface="Comic Sans MS" panose="030F0702030302020204" pitchFamily="66" charset="0"/>
+              </a:rPr>
               <a:t> a été créé en</a:t>
             </a:r>
             <a:r>
@@ -6272,57 +6387,90 @@
                 <a:solidFill>
                   <a:schemeClr val="tx1"/>
                 </a:solidFill>
+                <a:latin typeface="Comic Sans MS" panose="030F0702030302020204" pitchFamily="66" charset="0"/>
               </a:rPr>
               <a:t> 1994 </a:t>
             </a:r>
             <a:r>
-              <a:rPr lang="fr-FR" dirty="0"/>
+              <a:rPr lang="fr-FR" dirty="0">
+                <a:latin typeface="Comic Sans MS" panose="030F0702030302020204" pitchFamily="66" charset="0"/>
+              </a:rPr>
               <a:t>par </a:t>
             </a:r>
             <a:r>
-              <a:rPr lang="fr-FR" b="1" dirty="0" smtClean="0"/>
+              <a:rPr lang="fr-FR" b="1" dirty="0" smtClean="0">
+                <a:latin typeface="Comic Sans MS" panose="030F0702030302020204" pitchFamily="66" charset="0"/>
+              </a:rPr>
               <a:t>Rasmus </a:t>
             </a:r>
             <a:r>
-              <a:rPr lang="fr-FR" b="1" dirty="0"/>
+              <a:rPr lang="fr-FR" b="1" dirty="0">
+                <a:latin typeface="Comic Sans MS" panose="030F0702030302020204" pitchFamily="66" charset="0"/>
+              </a:rPr>
               <a:t>Lerdorf </a:t>
             </a:r>
             <a:r>
-              <a:rPr lang="fr-FR" dirty="0"/>
+              <a:rPr lang="fr-FR" dirty="0">
+                <a:latin typeface="Comic Sans MS" panose="030F0702030302020204" pitchFamily="66" charset="0"/>
+              </a:rPr>
               <a:t>pour son site web</a:t>
             </a:r>
             <a:r>
-              <a:rPr lang="fr-FR" dirty="0" smtClean="0"/>
+              <a:rPr lang="fr-FR" dirty="0" smtClean="0">
+                <a:latin typeface="Comic Sans MS" panose="030F0702030302020204" pitchFamily="66" charset="0"/>
+              </a:rPr>
               <a:t>.</a:t>
             </a:r>
           </a:p>
           <a:p>
             <a:pPr algn="just">
               <a:buFont typeface="Wingdings" panose="05000000000000000000" pitchFamily="2" charset="2"/>
-              <a:buChar char="v"/>
+              <a:buChar char="ü"/>
             </a:pPr>
             <a:r>
-              <a:rPr lang="fr-FR" dirty="0"/>
-              <a:t>C'était à l'origine une bibliothèque logicielle en </a:t>
-            </a:r>
-            <a:r>
-              <a:rPr lang="fr-FR" dirty="0" smtClean="0"/>
+              <a:rPr lang="fr-FR" dirty="0" smtClean="0">
+                <a:latin typeface="Comic Sans MS" panose="030F0702030302020204" pitchFamily="66" charset="0"/>
+              </a:rPr>
+              <a:t>  C'était </a:t>
+            </a:r>
+            <a:r>
+              <a:rPr lang="fr-FR" dirty="0">
+                <a:latin typeface="Comic Sans MS" panose="030F0702030302020204" pitchFamily="66" charset="0"/>
+              </a:rPr>
+              <a:t>à l'origine une bibliothèque logicielle en </a:t>
+            </a:r>
+            <a:r>
+              <a:rPr lang="fr-FR" dirty="0" smtClean="0">
+                <a:latin typeface="Comic Sans MS" panose="030F0702030302020204" pitchFamily="66" charset="0"/>
+              </a:rPr>
               <a:t>C </a:t>
             </a:r>
             <a:r>
-              <a:rPr lang="fr-FR" dirty="0"/>
+              <a:rPr lang="fr-FR" dirty="0">
+                <a:latin typeface="Comic Sans MS" panose="030F0702030302020204" pitchFamily="66" charset="0"/>
+              </a:rPr>
               <a:t>dont il se servait pour conserver une trace des visiteurs qui venaient consulter son CV. </a:t>
             </a:r>
-            <a:endParaRPr lang="fr-FR" dirty="0" smtClean="0"/>
+            <a:endParaRPr lang="fr-FR" dirty="0" smtClean="0">
+              <a:latin typeface="Comic Sans MS" panose="030F0702030302020204" pitchFamily="66" charset="0"/>
+            </a:endParaRPr>
           </a:p>
           <a:p>
             <a:pPr algn="just">
               <a:buFont typeface="Wingdings" panose="05000000000000000000" pitchFamily="2" charset="2"/>
-              <a:buChar char="v"/>
+              <a:buChar char="ü"/>
             </a:pPr>
             <a:r>
-              <a:rPr lang="fr-FR" dirty="0"/>
-              <a:t>Au fur et à mesure qu'il ajoutait de nouvelles fonctionnalités, Rasmus a transformé la bibliothèque en une implémentation capable de communiquer avec des bases de données et de créer des applications dynamiques et simples pour le Web. </a:t>
+              <a:rPr lang="fr-FR" dirty="0" smtClean="0">
+                <a:latin typeface="Comic Sans MS" panose="030F0702030302020204" pitchFamily="66" charset="0"/>
+              </a:rPr>
+              <a:t>  Au </a:t>
+            </a:r>
+            <a:r>
+              <a:rPr lang="fr-FR" dirty="0">
+                <a:latin typeface="Comic Sans MS" panose="030F0702030302020204" pitchFamily="66" charset="0"/>
+              </a:rPr>
+              <a:t>fur et à mesure qu'il ajoutait de nouvelles fonctionnalités, Rasmus a transformé la bibliothèque en une implémentation capable de communiquer avec des bases de données et de créer des applications dynamiques et simples pour le Web. </a:t>
             </a:r>
           </a:p>
         </p:txBody>
@@ -6367,7 +6515,12 @@
             <p:ph type="title"/>
           </p:nvPr>
         </p:nvSpPr>
-        <p:spPr/>
+        <p:spPr>
+          <a:xfrm>
+            <a:off x="1295402" y="982132"/>
+            <a:ext cx="9601196" cy="1111711"/>
+          </a:xfrm>
+        </p:spPr>
         <p:txBody>
           <a:bodyPr/>
           <a:lstStyle/>
@@ -6377,10 +6530,18 @@
               <a:buAutoNum type="romanUcPeriod"/>
             </a:pPr>
             <a:r>
-              <a:rPr lang="fr-FR" b="1" dirty="0" smtClean="0"/>
+              <a:rPr lang="fr-FR" b="1" dirty="0" smtClean="0">
+                <a:solidFill>
+                  <a:srgbClr val="C00000"/>
+                </a:solidFill>
+              </a:rPr>
               <a:t>Présentation de PHP</a:t>
             </a:r>
-            <a:endParaRPr lang="fr-FR" b="1" dirty="0"/>
+            <a:endParaRPr lang="fr-FR" b="1" dirty="0">
+              <a:solidFill>
+                <a:srgbClr val="C00000"/>
+              </a:solidFill>
+            </a:endParaRPr>
           </a:p>
         </p:txBody>
       </p:sp>
@@ -6394,57 +6555,200 @@
             <p:ph idx="1"/>
           </p:nvPr>
         </p:nvSpPr>
-        <p:spPr/>
-        <p:txBody>
-          <a:bodyPr/>
-          <a:lstStyle/>
+        <p:spPr>
+          <a:xfrm>
+            <a:off x="728870" y="2556932"/>
+            <a:ext cx="10694503" cy="3671590"/>
+          </a:xfrm>
+        </p:spPr>
+        <p:txBody>
+          <a:bodyPr>
+            <a:normAutofit fontScale="92500" lnSpcReduction="20000"/>
+          </a:bodyPr>
+          <a:lstStyle/>
+          <a:p>
+            <a:pPr marL="0" indent="0">
+              <a:buNone/>
+            </a:pPr>
+            <a:r>
+              <a:rPr lang="fr-FR" b="1" dirty="0" smtClean="0">
+                <a:solidFill>
+                  <a:schemeClr val="tx1">
+                    <a:lumMod val="75000"/>
+                    <a:lumOff val="25000"/>
+                  </a:schemeClr>
+                </a:solidFill>
+                <a:latin typeface="Comic Sans MS" panose="030F0702030302020204" pitchFamily="66" charset="0"/>
+              </a:rPr>
+              <a:t>Qu'est </a:t>
+            </a:r>
+            <a:r>
+              <a:rPr lang="fr-FR" b="1" dirty="0">
+                <a:solidFill>
+                  <a:schemeClr val="tx1">
+                    <a:lumMod val="75000"/>
+                    <a:lumOff val="25000"/>
+                  </a:schemeClr>
+                </a:solidFill>
+                <a:latin typeface="Comic Sans MS" panose="030F0702030302020204" pitchFamily="66" charset="0"/>
+              </a:rPr>
+              <a:t>ce que PHP?</a:t>
+            </a:r>
+          </a:p>
           <a:p>
             <a:pPr marL="0" indent="0" algn="just">
               <a:buNone/>
             </a:pPr>
             <a:r>
-              <a:rPr lang="fr-FR" b="1" dirty="0" smtClean="0"/>
-              <a:t>1. Définition</a:t>
-            </a:r>
-            <a:endParaRPr lang="fr-FR" b="1" dirty="0"/>
+              <a:rPr lang="fr-FR" dirty="0" smtClean="0">
+                <a:latin typeface="Comic Sans MS" panose="030F0702030302020204" pitchFamily="66" charset="0"/>
+              </a:rPr>
+              <a:t>PHP </a:t>
+            </a:r>
+            <a:r>
+              <a:rPr lang="fr-FR" dirty="0">
+                <a:latin typeface="Comic Sans MS" panose="030F0702030302020204" pitchFamily="66" charset="0"/>
+              </a:rPr>
+              <a:t>(officiellement, ce sigle est un acronyme récursif pour</a:t>
+            </a:r>
+            <a:r>
+              <a:rPr lang="fr-FR" b="1" dirty="0">
+                <a:latin typeface="Comic Sans MS" panose="030F0702030302020204" pitchFamily="66" charset="0"/>
+              </a:rPr>
+              <a:t> </a:t>
+            </a:r>
+            <a:r>
+              <a:rPr lang="fr-FR" b="1" dirty="0">
+                <a:solidFill>
+                  <a:schemeClr val="accent2">
+                    <a:lumMod val="75000"/>
+                  </a:schemeClr>
+                </a:solidFill>
+                <a:latin typeface="Comic Sans MS" panose="030F0702030302020204" pitchFamily="66" charset="0"/>
+              </a:rPr>
+              <a:t>PHP</a:t>
+            </a:r>
+            <a:r>
+              <a:rPr lang="fr-FR" b="1" dirty="0">
+                <a:latin typeface="Comic Sans MS" panose="030F0702030302020204" pitchFamily="66" charset="0"/>
+              </a:rPr>
+              <a:t> </a:t>
+            </a:r>
+            <a:r>
+              <a:rPr lang="fr-FR" b="1" dirty="0" err="1">
+                <a:solidFill>
+                  <a:schemeClr val="accent2">
+                    <a:lumMod val="75000"/>
+                  </a:schemeClr>
+                </a:solidFill>
+                <a:latin typeface="Comic Sans MS" panose="030F0702030302020204" pitchFamily="66" charset="0"/>
+              </a:rPr>
+              <a:t>hypertext</a:t>
+            </a:r>
+            <a:r>
+              <a:rPr lang="fr-FR" b="1" dirty="0">
+                <a:solidFill>
+                  <a:schemeClr val="accent2">
+                    <a:lumMod val="75000"/>
+                  </a:schemeClr>
+                </a:solidFill>
+                <a:latin typeface="Comic Sans MS" panose="030F0702030302020204" pitchFamily="66" charset="0"/>
+              </a:rPr>
+              <a:t> </a:t>
+            </a:r>
+            <a:r>
+              <a:rPr lang="fr-FR" b="1" dirty="0" err="1">
+                <a:solidFill>
+                  <a:schemeClr val="accent2">
+                    <a:lumMod val="75000"/>
+                  </a:schemeClr>
+                </a:solidFill>
+                <a:latin typeface="Comic Sans MS" panose="030F0702030302020204" pitchFamily="66" charset="0"/>
+              </a:rPr>
+              <a:t>preprocessor</a:t>
+            </a:r>
+            <a:r>
+              <a:rPr lang="fr-FR" dirty="0">
+                <a:latin typeface="Comic Sans MS" panose="030F0702030302020204" pitchFamily="66" charset="0"/>
+              </a:rPr>
+              <a:t>) est un langage de programmation qui permet de générer des pages web dynamiques par un serveur web. </a:t>
+            </a:r>
           </a:p>
           <a:p>
             <a:pPr marL="0" indent="0" algn="just">
               <a:buNone/>
             </a:pPr>
-            <a:r>
-              <a:rPr lang="fr-FR" dirty="0"/>
-              <a:t>PHP </a:t>
-            </a:r>
-            <a:r>
-              <a:rPr lang="fr-FR" dirty="0" smtClean="0"/>
-              <a:t>(</a:t>
-            </a:r>
-            <a:r>
-              <a:rPr lang="fr-FR" b="1" i="1" dirty="0"/>
-              <a:t>Hypertext </a:t>
-            </a:r>
-            <a:r>
-              <a:rPr lang="fr-FR" b="1" i="1" dirty="0" smtClean="0"/>
-              <a:t>Preprocessor) </a:t>
-            </a:r>
-            <a:r>
-              <a:rPr lang="fr-FR" dirty="0" smtClean="0"/>
-              <a:t>est </a:t>
-            </a:r>
-            <a:r>
-              <a:rPr lang="fr-FR" dirty="0"/>
-              <a:t>un langage de script utilisé le plus souvent côté serveur : dans cette architecture, le serveur interprète le code PHP des pages web demandées et génère du code (</a:t>
-            </a:r>
-            <a:r>
-              <a:rPr lang="fr-FR" dirty="0" smtClean="0"/>
-              <a:t>HTML, </a:t>
-            </a:r>
-            <a:r>
-              <a:rPr lang="fr-FR" dirty="0"/>
-              <a:t>CSS par exemple) et des données (JPEG, GIF, PNG par exemple) pouvant être interprétés et rendus par un navigateur web. PHP peut également générer d'autres formats comme le WML, le SVG et le PDF. </a:t>
-            </a:r>
-            <a:endParaRPr lang="fr-FR" dirty="0" smtClean="0"/>
+            <a:endParaRPr lang="fr-FR" sz="2800" b="1" dirty="0" smtClean="0">
+              <a:solidFill>
+                <a:schemeClr val="accent2">
+                  <a:lumMod val="75000"/>
+                </a:schemeClr>
+              </a:solidFill>
+              <a:latin typeface="Comic Sans MS" panose="030F0702030302020204" pitchFamily="66" charset="0"/>
+            </a:endParaRPr>
+          </a:p>
+          <a:p>
+            <a:pPr marL="0" indent="0" algn="just">
+              <a:buNone/>
+            </a:pPr>
+            <a:r>
+              <a:rPr lang="fr-FR" sz="2800" b="1" dirty="0" smtClean="0">
+                <a:solidFill>
+                  <a:schemeClr val="tx1">
+                    <a:lumMod val="75000"/>
+                    <a:lumOff val="25000"/>
+                  </a:schemeClr>
+                </a:solidFill>
+                <a:latin typeface="Comic Sans MS" panose="030F0702030302020204" pitchFamily="66" charset="0"/>
+              </a:rPr>
+              <a:t>A </a:t>
+            </a:r>
+            <a:r>
+              <a:rPr lang="fr-FR" sz="2800" b="1" dirty="0">
+                <a:solidFill>
+                  <a:schemeClr val="tx1">
+                    <a:lumMod val="75000"/>
+                    <a:lumOff val="25000"/>
+                  </a:schemeClr>
+                </a:solidFill>
+                <a:latin typeface="Comic Sans MS" panose="030F0702030302020204" pitchFamily="66" charset="0"/>
+              </a:rPr>
+              <a:t>quoi sert le PHP ?</a:t>
+            </a:r>
+          </a:p>
+          <a:p>
+            <a:pPr marL="0" indent="0" algn="just">
+              <a:buNone/>
+            </a:pPr>
+            <a:r>
+              <a:rPr lang="fr-FR" dirty="0">
+                <a:latin typeface="Comic Sans MS" panose="030F0702030302020204" pitchFamily="66" charset="0"/>
+              </a:rPr>
+              <a:t>PHP est un langage de programmation </a:t>
+            </a:r>
+            <a:r>
+              <a:rPr lang="fr-FR" b="1" dirty="0">
+                <a:solidFill>
+                  <a:schemeClr val="accent2">
+                    <a:lumMod val="75000"/>
+                  </a:schemeClr>
+                </a:solidFill>
+                <a:latin typeface="Comic Sans MS" panose="030F0702030302020204" pitchFamily="66" charset="0"/>
+              </a:rPr>
+              <a:t>côté serveur</a:t>
+            </a:r>
+            <a:r>
+              <a:rPr lang="fr-FR" b="1" dirty="0">
+                <a:latin typeface="Comic Sans MS" panose="030F0702030302020204" pitchFamily="66" charset="0"/>
+              </a:rPr>
+              <a:t> </a:t>
+            </a:r>
+            <a:r>
+              <a:rPr lang="fr-FR" dirty="0">
+                <a:latin typeface="Comic Sans MS" panose="030F0702030302020204" pitchFamily="66" charset="0"/>
+              </a:rPr>
+              <a:t>qui permet de créer des pages web dynamiques. Le code PHP est compilé sur le serveur et le résultat d’exécution est renvoyé au client sous format HTML. Contrairement au JavaScript qui s’exécute sur le client (navigateur). </a:t>
+            </a:r>
           </a:p>
           <a:p>
             <a:pPr marL="0" indent="0" algn="just">
@@ -6504,10 +6808,18 @@
               <a:buAutoNum type="romanUcPeriod"/>
             </a:pPr>
             <a:r>
-              <a:rPr lang="fr-FR" b="1" dirty="0"/>
+              <a:rPr lang="fr-FR" b="1" dirty="0">
+                <a:solidFill>
+                  <a:srgbClr val="C00000"/>
+                </a:solidFill>
+              </a:rPr>
               <a:t>Présentation de PHP</a:t>
             </a:r>
-            <a:endParaRPr lang="fr-FR" dirty="0"/>
+            <a:endParaRPr lang="fr-FR" dirty="0">
+              <a:solidFill>
+                <a:srgbClr val="C00000"/>
+              </a:solidFill>
+            </a:endParaRPr>
           </a:p>
         </p:txBody>
       </p:sp>
@@ -6528,270 +6840,100 @@
           </a:xfrm>
         </p:spPr>
         <p:txBody>
-          <a:bodyPr/>
-          <a:lstStyle/>
-          <a:p>
-            <a:pPr marL="0" indent="0">
+          <a:bodyPr>
+            <a:normAutofit lnSpcReduction="10000"/>
+          </a:bodyPr>
+          <a:lstStyle/>
+          <a:p>
+            <a:pPr marL="0" indent="0" algn="just">
               <a:buNone/>
             </a:pPr>
             <a:r>
-              <a:rPr lang="fr-FR" b="1" dirty="0" smtClean="0"/>
-              <a:t>2. Utilisation</a:t>
-            </a:r>
-            <a:endParaRPr lang="fr-FR" b="1" dirty="0"/>
-          </a:p>
-          <a:p>
-            <a:pPr algn="just">
+              <a:rPr lang="fr-FR" sz="2800" b="1" dirty="0">
+                <a:solidFill>
+                  <a:schemeClr val="tx1">
+                    <a:lumMod val="75000"/>
+                    <a:lumOff val="25000"/>
+                  </a:schemeClr>
+                </a:solidFill>
+                <a:latin typeface="Comic Sans MS" panose="030F0702030302020204" pitchFamily="66" charset="0"/>
+              </a:rPr>
+              <a:t>PHP permet :</a:t>
+            </a:r>
+          </a:p>
+          <a:p>
+            <a:pPr algn="just"/>
+            <a:endParaRPr lang="fr-FR" sz="2000" b="1" dirty="0">
+              <a:solidFill>
+                <a:schemeClr val="accent2">
+                  <a:lumMod val="75000"/>
+                </a:schemeClr>
+              </a:solidFill>
+              <a:latin typeface="Comic Sans MS" panose="030F0702030302020204" pitchFamily="66" charset="0"/>
+            </a:endParaRPr>
+          </a:p>
+          <a:p>
+            <a:pPr marL="342900" indent="-342900" algn="just">
               <a:buFont typeface="Wingdings" panose="05000000000000000000" pitchFamily="2" charset="2"/>
-              <a:buChar char="v"/>
+              <a:buChar char="ü"/>
             </a:pPr>
             <a:r>
-              <a:rPr lang="fr-FR" dirty="0" smtClean="0"/>
-              <a:t>En 2002</a:t>
-            </a:r>
-            <a:r>
-              <a:rPr lang="fr-FR" dirty="0"/>
-              <a:t>, PHP est utilisé par plus de 8 millions de sites Web à travers le </a:t>
-            </a:r>
-            <a:r>
-              <a:rPr lang="fr-FR" dirty="0" smtClean="0"/>
-              <a:t>monde, </a:t>
-            </a:r>
-            <a:r>
-              <a:rPr lang="fr-FR" dirty="0"/>
-              <a:t>en </a:t>
-            </a:r>
-            <a:r>
-              <a:rPr lang="fr-FR" dirty="0" smtClean="0"/>
-              <a:t>2007par </a:t>
-            </a:r>
-            <a:r>
-              <a:rPr lang="fr-FR" dirty="0"/>
-              <a:t>plus de 20 </a:t>
-            </a:r>
-            <a:r>
-              <a:rPr lang="fr-FR" dirty="0" smtClean="0"/>
-              <a:t>millions et </a:t>
-            </a:r>
-            <a:r>
-              <a:rPr lang="fr-FR" dirty="0"/>
-              <a:t>en 2013 par plus de 244 </a:t>
-            </a:r>
-            <a:r>
-              <a:rPr lang="fr-FR" dirty="0" smtClean="0"/>
-              <a:t>millions.</a:t>
-            </a:r>
-          </a:p>
-          <a:p>
-            <a:pPr algn="just">
+              <a:rPr lang="fr-FR" dirty="0">
+                <a:latin typeface="Comic Sans MS" panose="030F0702030302020204" pitchFamily="66" charset="0"/>
+              </a:rPr>
+              <a:t>Le développement des sites et applications web</a:t>
+            </a:r>
+          </a:p>
+          <a:p>
+            <a:pPr marL="342900" indent="-342900" algn="just">
               <a:buFont typeface="Wingdings" panose="05000000000000000000" pitchFamily="2" charset="2"/>
-              <a:buChar char="v"/>
+              <a:buChar char="ü"/>
             </a:pPr>
             <a:r>
-              <a:rPr lang="fr-FR" dirty="0"/>
-              <a:t>De plus, PHP est devenu le langage de programmation web côté serveur le plus utilisé depuis plusieurs années : </a:t>
-            </a:r>
-            <a:endParaRPr lang="fr-FR" dirty="0" smtClean="0"/>
-          </a:p>
-          <a:p>
-            <a:pPr marL="0" indent="0" algn="just">
-              <a:buNone/>
+              <a:rPr lang="fr-FR" dirty="0">
+                <a:latin typeface="Comic Sans MS" panose="030F0702030302020204" pitchFamily="66" charset="0"/>
+              </a:rPr>
+              <a:t>La programmation réseau (Sockets, SNMP, …)</a:t>
+            </a:r>
+          </a:p>
+          <a:p>
+            <a:pPr marL="342900" indent="-342900" algn="just">
+              <a:buFont typeface="Wingdings" panose="05000000000000000000" pitchFamily="2" charset="2"/>
+              <a:buChar char="ü"/>
             </a:pPr>
-            <a:endParaRPr lang="fr-FR" dirty="0" smtClean="0"/>
-          </a:p>
-          <a:p>
-            <a:pPr algn="just">
+            <a:r>
+              <a:rPr lang="fr-FR" dirty="0">
+                <a:latin typeface="Comic Sans MS" panose="030F0702030302020204" pitchFamily="66" charset="0"/>
+              </a:rPr>
+              <a:t>Le traitement d’image</a:t>
+            </a:r>
+          </a:p>
+          <a:p>
+            <a:pPr marL="342900" indent="-342900" algn="just">
               <a:buFont typeface="Wingdings" panose="05000000000000000000" pitchFamily="2" charset="2"/>
-              <a:buChar char="v"/>
+              <a:buChar char="ü"/>
             </a:pPr>
-            <a:endParaRPr lang="fr-FR" b="1" dirty="0"/>
-          </a:p>
-        </p:txBody>
-      </p:sp>
-      <p:graphicFrame>
-        <p:nvGraphicFramePr>
-          <p:cNvPr id="7" name="Tableau 6"/>
-          <p:cNvGraphicFramePr>
-            <a:graphicFrameLocks noGrp="1"/>
-          </p:cNvGraphicFramePr>
-          <p:nvPr>
-            <p:extLst>
-              <p:ext uri="{D42A27DB-BD31-4B8C-83A1-F6EECF244321}">
-                <p14:modId xmlns:p14="http://schemas.microsoft.com/office/powerpoint/2010/main" val="378501815"/>
-              </p:ext>
-            </p:extLst>
-          </p:nvPr>
-        </p:nvGraphicFramePr>
-        <p:xfrm>
-          <a:off x="1594677" y="4748327"/>
-          <a:ext cx="4302540" cy="1463040"/>
-        </p:xfrm>
-        <a:graphic>
-          <a:graphicData uri="http://schemas.openxmlformats.org/drawingml/2006/table">
-            <a:tbl>
-              <a:tblPr firstRow="1" bandRow="1">
-                <a:tableStyleId>{5C22544A-7EE6-4342-B048-85BDC9FD1C3A}</a:tableStyleId>
-              </a:tblPr>
-              <a:tblGrid>
-                <a:gridCol w="2151270">
-                  <a:extLst>
-                    <a:ext uri="{9D8B030D-6E8A-4147-A177-3AD203B41FA5}">
-                      <a16:colId xmlns:a16="http://schemas.microsoft.com/office/drawing/2014/main" val="1503134909"/>
-                    </a:ext>
-                  </a:extLst>
-                </a:gridCol>
-                <a:gridCol w="2151270">
-                  <a:extLst>
-                    <a:ext uri="{9D8B030D-6E8A-4147-A177-3AD203B41FA5}">
-                      <a16:colId xmlns:a16="http://schemas.microsoft.com/office/drawing/2014/main" val="4206418355"/>
-                    </a:ext>
-                  </a:extLst>
-                </a:gridCol>
-              </a:tblGrid>
-              <a:tr h="330292">
-                <a:tc>
-                  <a:txBody>
-                    <a:bodyPr/>
-                    <a:lstStyle/>
-                    <a:p>
-                      <a:r>
-                        <a:rPr lang="fr-FR" dirty="0" smtClean="0"/>
-                        <a:t>Année</a:t>
-                      </a:r>
-                      <a:endParaRPr lang="fr-FR" dirty="0"/>
-                    </a:p>
-                  </a:txBody>
-                  <a:tcPr/>
-                </a:tc>
-                <a:tc>
-                  <a:txBody>
-                    <a:bodyPr/>
-                    <a:lstStyle/>
-                    <a:p>
-                      <a:r>
-                        <a:rPr lang="fr-FR" dirty="0" smtClean="0"/>
-                        <a:t>Part de marché</a:t>
-                      </a:r>
-                      <a:endParaRPr lang="fr-FR" dirty="0"/>
-                    </a:p>
-                  </a:txBody>
-                  <a:tcPr/>
-                </a:tc>
-                <a:extLst>
-                  <a:ext uri="{0D108BD9-81ED-4DB2-BD59-A6C34878D82A}">
-                    <a16:rowId xmlns:a16="http://schemas.microsoft.com/office/drawing/2014/main" val="2555905016"/>
-                  </a:ext>
-                </a:extLst>
-              </a:tr>
-              <a:tr h="330292">
-                <a:tc>
-                  <a:txBody>
-                    <a:bodyPr/>
-                    <a:lstStyle/>
-                    <a:p>
-                      <a:r>
-                        <a:rPr lang="fr-FR" dirty="0" smtClean="0"/>
-                        <a:t>2010</a:t>
-                      </a:r>
-                      <a:endParaRPr lang="fr-FR" dirty="0"/>
-                    </a:p>
-                  </a:txBody>
-                  <a:tcPr/>
-                </a:tc>
-                <a:tc>
-                  <a:txBody>
-                    <a:bodyPr/>
-                    <a:lstStyle/>
-                    <a:p>
-                      <a:r>
-                        <a:rPr lang="fr-FR" dirty="0" smtClean="0"/>
-                        <a:t>75%</a:t>
-                      </a:r>
-                      <a:endParaRPr lang="fr-FR" dirty="0"/>
-                    </a:p>
-                  </a:txBody>
-                  <a:tcPr/>
-                </a:tc>
-                <a:extLst>
-                  <a:ext uri="{0D108BD9-81ED-4DB2-BD59-A6C34878D82A}">
-                    <a16:rowId xmlns:a16="http://schemas.microsoft.com/office/drawing/2014/main" val="2632778654"/>
-                  </a:ext>
-                </a:extLst>
-              </a:tr>
-              <a:tr h="330292">
-                <a:tc>
-                  <a:txBody>
-                    <a:bodyPr/>
-                    <a:lstStyle/>
-                    <a:p>
-                      <a:r>
-                        <a:rPr lang="fr-FR" dirty="0" smtClean="0"/>
-                        <a:t>2013</a:t>
-                      </a:r>
-                      <a:endParaRPr lang="fr-FR" dirty="0"/>
-                    </a:p>
-                  </a:txBody>
-                  <a:tcPr/>
-                </a:tc>
-                <a:tc>
-                  <a:txBody>
-                    <a:bodyPr/>
-                    <a:lstStyle/>
-                    <a:p>
-                      <a:r>
-                        <a:rPr lang="fr-FR" dirty="0" smtClean="0"/>
-                        <a:t>75%</a:t>
-                      </a:r>
-                      <a:endParaRPr lang="fr-FR" dirty="0"/>
-                    </a:p>
-                  </a:txBody>
-                  <a:tcPr/>
-                </a:tc>
-                <a:extLst>
-                  <a:ext uri="{0D108BD9-81ED-4DB2-BD59-A6C34878D82A}">
-                    <a16:rowId xmlns:a16="http://schemas.microsoft.com/office/drawing/2014/main" val="1825592346"/>
-                  </a:ext>
-                </a:extLst>
-              </a:tr>
-              <a:tr h="330292">
-                <a:tc>
-                  <a:txBody>
-                    <a:bodyPr/>
-                    <a:lstStyle/>
-                    <a:p>
-                      <a:r>
-                        <a:rPr lang="fr-FR" dirty="0" smtClean="0"/>
-                        <a:t>2016</a:t>
-                      </a:r>
-                      <a:endParaRPr lang="fr-FR" dirty="0"/>
-                    </a:p>
-                  </a:txBody>
-                  <a:tcPr/>
-                </a:tc>
-                <a:tc>
-                  <a:txBody>
-                    <a:bodyPr/>
-                    <a:lstStyle/>
-                    <a:p>
-                      <a:r>
-                        <a:rPr lang="fr-FR" dirty="0" smtClean="0"/>
-                        <a:t>82%</a:t>
-                      </a:r>
-                      <a:endParaRPr lang="fr-FR" dirty="0"/>
-                    </a:p>
-                  </a:txBody>
-                  <a:tcPr/>
-                </a:tc>
-                <a:extLst>
-                  <a:ext uri="{0D108BD9-81ED-4DB2-BD59-A6C34878D82A}">
-                    <a16:rowId xmlns:a16="http://schemas.microsoft.com/office/drawing/2014/main" val="7427227"/>
-                  </a:ext>
-                </a:extLst>
-              </a:tr>
-            </a:tbl>
-          </a:graphicData>
-        </a:graphic>
-      </p:graphicFrame>
+            <a:r>
+              <a:rPr lang="fr-FR" dirty="0">
+                <a:latin typeface="Comic Sans MS" panose="030F0702030302020204" pitchFamily="66" charset="0"/>
+              </a:rPr>
+              <a:t>L’exportation des documents de différent format</a:t>
+            </a:r>
+          </a:p>
+          <a:p>
+            <a:pPr marL="342900" indent="-342900" algn="just">
+              <a:buFont typeface="Wingdings" panose="05000000000000000000" pitchFamily="2" charset="2"/>
+              <a:buChar char="ü"/>
+            </a:pPr>
+            <a:r>
+              <a:rPr lang="fr-FR" dirty="0">
+                <a:latin typeface="Comic Sans MS" panose="030F0702030302020204" pitchFamily="66" charset="0"/>
+              </a:rPr>
+              <a:t>La  Sécurité ...</a:t>
+            </a:r>
+          </a:p>
+        </p:txBody>
+      </p:sp>
     </p:spTree>
     <p:extLst>
       <p:ext uri="{BB962C8B-B14F-4D97-AF65-F5344CB8AC3E}">
@@ -6837,12 +6979,200 @@
           <a:bodyPr/>
           <a:lstStyle/>
           <a:p>
+            <a:pPr marL="857250" indent="-857250" algn="just">
+              <a:buFont typeface="+mj-lt"/>
+              <a:buAutoNum type="romanUcPeriod"/>
+            </a:pPr>
+            <a:r>
+              <a:rPr lang="fr-FR" b="1" dirty="0">
+                <a:solidFill>
+                  <a:srgbClr val="C00000"/>
+                </a:solidFill>
+              </a:rPr>
+              <a:t>Présentation de PHP</a:t>
+            </a:r>
+            <a:endParaRPr lang="fr-FR" dirty="0">
+              <a:solidFill>
+                <a:srgbClr val="C00000"/>
+              </a:solidFill>
+            </a:endParaRPr>
+          </a:p>
+        </p:txBody>
+      </p:sp>
+      <p:sp>
+        <p:nvSpPr>
+          <p:cNvPr id="3" name="Espace réservé du contenu 2"/>
+          <p:cNvSpPr>
+            <a:spLocks noGrp="1"/>
+          </p:cNvSpPr>
+          <p:nvPr>
+            <p:ph idx="1"/>
+          </p:nvPr>
+        </p:nvSpPr>
+        <p:spPr>
+          <a:xfrm>
+            <a:off x="1295401" y="2556932"/>
+            <a:ext cx="9601196" cy="3512564"/>
+          </a:xfrm>
+        </p:spPr>
+        <p:txBody>
+          <a:bodyPr>
+            <a:normAutofit lnSpcReduction="10000"/>
+          </a:bodyPr>
+          <a:lstStyle/>
+          <a:p>
+            <a:pPr marL="0" indent="0" algn="just">
+              <a:buNone/>
+            </a:pPr>
+            <a:r>
+              <a:rPr lang="fr-FR" sz="2800" b="1" dirty="0">
+                <a:solidFill>
+                  <a:schemeClr val="tx1">
+                    <a:lumMod val="75000"/>
+                    <a:lumOff val="25000"/>
+                  </a:schemeClr>
+                </a:solidFill>
+                <a:latin typeface="Comic Sans MS" panose="030F0702030302020204" pitchFamily="66" charset="0"/>
+              </a:rPr>
+              <a:t>PHP permet :</a:t>
+            </a:r>
+          </a:p>
+          <a:p>
             <a:pPr algn="just"/>
-            <a:r>
-              <a:rPr lang="fr-FR" b="1" dirty="0" smtClean="0"/>
+            <a:endParaRPr lang="fr-FR" sz="2000" b="1" dirty="0">
+              <a:solidFill>
+                <a:schemeClr val="accent2">
+                  <a:lumMod val="75000"/>
+                </a:schemeClr>
+              </a:solidFill>
+              <a:latin typeface="Comic Sans MS" panose="030F0702030302020204" pitchFamily="66" charset="0"/>
+            </a:endParaRPr>
+          </a:p>
+          <a:p>
+            <a:pPr marL="342900" indent="-342900" algn="just">
+              <a:buFont typeface="Wingdings" panose="05000000000000000000" pitchFamily="2" charset="2"/>
+              <a:buChar char="ü"/>
+            </a:pPr>
+            <a:r>
+              <a:rPr lang="fr-FR" dirty="0">
+                <a:latin typeface="Comic Sans MS" panose="030F0702030302020204" pitchFamily="66" charset="0"/>
+              </a:rPr>
+              <a:t>Le développement des sites et applications web</a:t>
+            </a:r>
+          </a:p>
+          <a:p>
+            <a:pPr marL="342900" indent="-342900" algn="just">
+              <a:buFont typeface="Wingdings" panose="05000000000000000000" pitchFamily="2" charset="2"/>
+              <a:buChar char="ü"/>
+            </a:pPr>
+            <a:r>
+              <a:rPr lang="fr-FR" dirty="0">
+                <a:latin typeface="Comic Sans MS" panose="030F0702030302020204" pitchFamily="66" charset="0"/>
+              </a:rPr>
+              <a:t>La programmation réseau (Sockets, SNMP, …)</a:t>
+            </a:r>
+          </a:p>
+          <a:p>
+            <a:pPr marL="342900" indent="-342900" algn="just">
+              <a:buFont typeface="Wingdings" panose="05000000000000000000" pitchFamily="2" charset="2"/>
+              <a:buChar char="ü"/>
+            </a:pPr>
+            <a:r>
+              <a:rPr lang="fr-FR" dirty="0">
+                <a:latin typeface="Comic Sans MS" panose="030F0702030302020204" pitchFamily="66" charset="0"/>
+              </a:rPr>
+              <a:t>Le traitement d’image</a:t>
+            </a:r>
+          </a:p>
+          <a:p>
+            <a:pPr marL="342900" indent="-342900" algn="just">
+              <a:buFont typeface="Wingdings" panose="05000000000000000000" pitchFamily="2" charset="2"/>
+              <a:buChar char="ü"/>
+            </a:pPr>
+            <a:r>
+              <a:rPr lang="fr-FR" dirty="0">
+                <a:latin typeface="Comic Sans MS" panose="030F0702030302020204" pitchFamily="66" charset="0"/>
+              </a:rPr>
+              <a:t>L’exportation des documents de différent format</a:t>
+            </a:r>
+          </a:p>
+          <a:p>
+            <a:pPr marL="342900" indent="-342900" algn="just">
+              <a:buFont typeface="Wingdings" panose="05000000000000000000" pitchFamily="2" charset="2"/>
+              <a:buChar char="ü"/>
+            </a:pPr>
+            <a:r>
+              <a:rPr lang="fr-FR" dirty="0">
+                <a:latin typeface="Comic Sans MS" panose="030F0702030302020204" pitchFamily="66" charset="0"/>
+              </a:rPr>
+              <a:t>La  Sécurité ...</a:t>
+            </a:r>
+          </a:p>
+        </p:txBody>
+      </p:sp>
+    </p:spTree>
+    <p:extLst>
+      <p:ext uri="{BB962C8B-B14F-4D97-AF65-F5344CB8AC3E}">
+        <p14:creationId xmlns:p14="http://schemas.microsoft.com/office/powerpoint/2010/main" val="1619995144"/>
+      </p:ext>
+    </p:extLst>
+  </p:cSld>
+  <p:clrMapOvr>
+    <a:masterClrMapping/>
+  </p:clrMapOvr>
+</p:sld>
+</file>
+
+<file path=ppt/slides/slide7.xml><?xml version="1.0" encoding="utf-8"?>
+<p:sld xmlns:a="http://schemas.openxmlformats.org/drawingml/2006/main" xmlns:r="http://schemas.openxmlformats.org/officeDocument/2006/relationships" xmlns:p="http://schemas.openxmlformats.org/presentationml/2006/main">
+  <p:cSld>
+    <p:spTree>
+      <p:nvGrpSpPr>
+        <p:cNvPr id="1" name=""/>
+        <p:cNvGrpSpPr/>
+        <p:nvPr/>
+      </p:nvGrpSpPr>
+      <p:grpSpPr>
+        <a:xfrm>
+          <a:off x="0" y="0"/>
+          <a:ext cx="0" cy="0"/>
+          <a:chOff x="0" y="0"/>
+          <a:chExt cx="0" cy="0"/>
+        </a:xfrm>
+      </p:grpSpPr>
+      <p:sp>
+        <p:nvSpPr>
+          <p:cNvPr id="2" name="Titre 1"/>
+          <p:cNvSpPr>
+            <a:spLocks noGrp="1"/>
+          </p:cNvSpPr>
+          <p:nvPr>
+            <p:ph type="title"/>
+          </p:nvPr>
+        </p:nvSpPr>
+        <p:spPr>
+          <a:xfrm>
+            <a:off x="1295402" y="982133"/>
+            <a:ext cx="9601196" cy="1005694"/>
+          </a:xfrm>
+        </p:spPr>
+        <p:txBody>
+          <a:bodyPr anchor="t"/>
+          <a:lstStyle/>
+          <a:p>
+            <a:r>
+              <a:rPr lang="fr-FR" b="1" dirty="0" smtClean="0">
+                <a:solidFill>
+                  <a:srgbClr val="C00000"/>
+                </a:solidFill>
+              </a:rPr>
               <a:t>II. Fonctionnement</a:t>
             </a:r>
-            <a:endParaRPr lang="fr-FR" b="1" dirty="0"/>
+            <a:endParaRPr lang="fr-FR" b="1" dirty="0">
+              <a:solidFill>
+                <a:srgbClr val="C00000"/>
+              </a:solidFill>
+            </a:endParaRPr>
           </a:p>
         </p:txBody>
       </p:sp>
@@ -6856,15 +7186,116 @@
             <p:ph idx="1"/>
           </p:nvPr>
         </p:nvSpPr>
-        <p:spPr/>
-        <p:txBody>
-          <a:bodyPr/>
-          <a:lstStyle/>
-          <a:p>
-            <a:pPr marL="0" indent="0">
+        <p:spPr>
+          <a:xfrm>
+            <a:off x="901148" y="2556931"/>
+            <a:ext cx="10349948" cy="3618581"/>
+          </a:xfrm>
+        </p:spPr>
+        <p:txBody>
+          <a:bodyPr>
+            <a:normAutofit fontScale="92500" lnSpcReduction="20000"/>
+          </a:bodyPr>
+          <a:lstStyle/>
+          <a:p>
+            <a:pPr marL="0" indent="0" algn="just">
               <a:buNone/>
             </a:pPr>
-            <a:endParaRPr lang="fr-FR" dirty="0"/>
+            <a:r>
+              <a:rPr lang="fr-FR" sz="2200" dirty="0" smtClean="0">
+                <a:latin typeface="Comic Sans MS" panose="030F0702030302020204" pitchFamily="66" charset="0"/>
+              </a:rPr>
+              <a:t>PHP </a:t>
+            </a:r>
+            <a:r>
+              <a:rPr lang="fr-FR" sz="2200" dirty="0">
+                <a:latin typeface="Comic Sans MS" panose="030F0702030302020204" pitchFamily="66" charset="0"/>
+              </a:rPr>
+              <a:t>est principalement associé à un serveur Web utilisant le protocole HTTP dans le cadre d’une architecture </a:t>
+            </a:r>
+            <a:r>
+              <a:rPr lang="fr-FR" sz="2200" dirty="0" smtClean="0">
+                <a:latin typeface="Comic Sans MS" panose="030F0702030302020204" pitchFamily="66" charset="0"/>
+              </a:rPr>
+              <a:t>client/serveur. Un </a:t>
+            </a:r>
+            <a:r>
+              <a:rPr lang="fr-FR" sz="2200" dirty="0">
+                <a:latin typeface="Comic Sans MS" panose="030F0702030302020204" pitchFamily="66" charset="0"/>
+              </a:rPr>
+              <a:t>serveur Web en architecture trois tiers est composé d'un système d'exploitation, un serveur HTTP, un langage serveur et enfin un système de gestion de base de données (SGBD), cela constituant une plate-forme</a:t>
+            </a:r>
+            <a:r>
+              <a:rPr lang="fr-FR" sz="2200" dirty="0" smtClean="0">
+                <a:latin typeface="Comic Sans MS" panose="030F0702030302020204" pitchFamily="66" charset="0"/>
+              </a:rPr>
+              <a:t>.</a:t>
+            </a:r>
+          </a:p>
+          <a:p>
+            <a:pPr marL="0" indent="0" algn="just">
+              <a:buNone/>
+            </a:pPr>
+            <a:r>
+              <a:rPr lang="fr-FR" sz="2000" dirty="0">
+                <a:latin typeface="Comic Sans MS" panose="030F0702030302020204" pitchFamily="66" charset="0"/>
+              </a:rPr>
+              <a:t>Il existe des plateformes de développement qui embarque simultanément le serveur Apache, le moteur PHP et un SGBD (MySQL ou Maria DB). Ce sont : 	</a:t>
+            </a:r>
+          </a:p>
+          <a:p>
+            <a:pPr marL="342900" indent="-342900" algn="just">
+              <a:buFont typeface="Wingdings" panose="05000000000000000000" pitchFamily="2" charset="2"/>
+              <a:buChar char="ü"/>
+            </a:pPr>
+            <a:r>
+              <a:rPr lang="fr-FR" sz="2000" dirty="0">
+                <a:latin typeface="Comic Sans MS" panose="030F0702030302020204" pitchFamily="66" charset="0"/>
+              </a:rPr>
+              <a:t>	WAMP (pour Windows)</a:t>
+            </a:r>
+          </a:p>
+          <a:p>
+            <a:pPr marL="342900" indent="-342900" algn="just">
+              <a:buFont typeface="Wingdings" panose="05000000000000000000" pitchFamily="2" charset="2"/>
+              <a:buChar char="ü"/>
+            </a:pPr>
+            <a:r>
+              <a:rPr lang="fr-FR" sz="2000" dirty="0">
+                <a:latin typeface="Comic Sans MS" panose="030F0702030302020204" pitchFamily="66" charset="0"/>
+              </a:rPr>
+              <a:t>	XAMPP (pour Windows, Linux, MacOs)</a:t>
+            </a:r>
+          </a:p>
+          <a:p>
+            <a:pPr marL="342900" indent="-342900" algn="just">
+              <a:buFont typeface="Wingdings" panose="05000000000000000000" pitchFamily="2" charset="2"/>
+              <a:buChar char="ü"/>
+            </a:pPr>
+            <a:r>
+              <a:rPr lang="fr-FR" sz="2000" dirty="0">
+                <a:latin typeface="Comic Sans MS" panose="030F0702030302020204" pitchFamily="66" charset="0"/>
+              </a:rPr>
+              <a:t>	EasyPHP (pour Windows)</a:t>
+            </a:r>
+          </a:p>
+          <a:p>
+            <a:pPr marL="342900" indent="-342900" algn="just">
+              <a:buFont typeface="Wingdings" panose="05000000000000000000" pitchFamily="2" charset="2"/>
+              <a:buChar char="ü"/>
+            </a:pPr>
+            <a:r>
+              <a:rPr lang="fr-FR" sz="2000" dirty="0">
+                <a:latin typeface="Comic Sans MS" panose="030F0702030302020204" pitchFamily="66" charset="0"/>
+              </a:rPr>
+              <a:t>	MAMP (pour MacOs)</a:t>
+            </a:r>
+          </a:p>
+          <a:p>
+            <a:pPr marL="0" indent="0" algn="just">
+              <a:buNone/>
+            </a:pPr>
+            <a:endParaRPr lang="fr-FR" sz="2000" dirty="0"/>
           </a:p>
         </p:txBody>
       </p:sp>
@@ -6872,6 +7303,865 @@
     <p:extLst>
       <p:ext uri="{BB962C8B-B14F-4D97-AF65-F5344CB8AC3E}">
         <p14:creationId xmlns:p14="http://schemas.microsoft.com/office/powerpoint/2010/main" val="3360267447"/>
+      </p:ext>
+    </p:extLst>
+  </p:cSld>
+  <p:clrMapOvr>
+    <a:masterClrMapping/>
+  </p:clrMapOvr>
+</p:sld>
+</file>
+
+<file path=ppt/slides/slide8.xml><?xml version="1.0" encoding="utf-8"?>
+<p:sld xmlns:a="http://schemas.openxmlformats.org/drawingml/2006/main" xmlns:r="http://schemas.openxmlformats.org/officeDocument/2006/relationships" xmlns:p="http://schemas.openxmlformats.org/presentationml/2006/main">
+  <p:cSld>
+    <p:spTree>
+      <p:nvGrpSpPr>
+        <p:cNvPr id="1" name=""/>
+        <p:cNvGrpSpPr/>
+        <p:nvPr/>
+      </p:nvGrpSpPr>
+      <p:grpSpPr>
+        <a:xfrm>
+          <a:off x="0" y="0"/>
+          <a:ext cx="0" cy="0"/>
+          <a:chOff x="0" y="0"/>
+          <a:chExt cx="0" cy="0"/>
+        </a:xfrm>
+      </p:grpSpPr>
+      <p:pic>
+        <p:nvPicPr>
+          <p:cNvPr id="2" name="Image 1"/>
+          <p:cNvPicPr>
+            <a:picLocks noChangeAspect="1"/>
+          </p:cNvPicPr>
+          <p:nvPr/>
+        </p:nvPicPr>
+        <p:blipFill>
+          <a:blip r:embed="rId2"/>
+          <a:stretch>
+            <a:fillRect/>
+          </a:stretch>
+        </p:blipFill>
+        <p:spPr>
+          <a:xfrm>
+            <a:off x="5088833" y="675861"/>
+            <a:ext cx="6506819" cy="3869634"/>
+          </a:xfrm>
+          <a:prstGeom prst="rect">
+            <a:avLst/>
+          </a:prstGeom>
+        </p:spPr>
+      </p:pic>
+      <p:sp>
+        <p:nvSpPr>
+          <p:cNvPr id="3" name="Rectangle 2"/>
+          <p:cNvSpPr/>
+          <p:nvPr/>
+        </p:nvSpPr>
+        <p:spPr>
+          <a:xfrm>
+            <a:off x="768626" y="675861"/>
+            <a:ext cx="4214191" cy="3684104"/>
+          </a:xfrm>
+          <a:prstGeom prst="rect">
+            <a:avLst/>
+          </a:prstGeom>
+          <a:noFill/>
+          <a:ln>
+            <a:noFill/>
+          </a:ln>
+        </p:spPr>
+        <p:style>
+          <a:lnRef idx="0">
+            <a:scrgbClr r="0" g="0" b="0"/>
+          </a:lnRef>
+          <a:fillRef idx="0">
+            <a:scrgbClr r="0" g="0" b="0"/>
+          </a:fillRef>
+          <a:effectRef idx="0">
+            <a:scrgbClr r="0" g="0" b="0"/>
+          </a:effectRef>
+          <a:fontRef idx="minor">
+            <a:schemeClr val="dk1"/>
+          </a:fontRef>
+        </p:style>
+        <p:txBody>
+          <a:bodyPr rtlCol="0" anchor="ctr"/>
+          <a:lstStyle/>
+          <a:p>
+            <a:pPr algn="ctr"/>
+            <a:endParaRPr lang="fr-FR"/>
+          </a:p>
+        </p:txBody>
+      </p:sp>
+      <p:sp>
+        <p:nvSpPr>
+          <p:cNvPr id="4" name="Rectangle 3"/>
+          <p:cNvSpPr/>
+          <p:nvPr/>
+        </p:nvSpPr>
+        <p:spPr>
+          <a:xfrm>
+            <a:off x="768626" y="4545496"/>
+            <a:ext cx="10721009" cy="1643269"/>
+          </a:xfrm>
+          <a:prstGeom prst="rect">
+            <a:avLst/>
+          </a:prstGeom>
+          <a:noFill/>
+          <a:ln>
+            <a:noFill/>
+          </a:ln>
+        </p:spPr>
+        <p:style>
+          <a:lnRef idx="0">
+            <a:scrgbClr r="0" g="0" b="0"/>
+          </a:lnRef>
+          <a:fillRef idx="0">
+            <a:scrgbClr r="0" g="0" b="0"/>
+          </a:fillRef>
+          <a:effectRef idx="0">
+            <a:scrgbClr r="0" g="0" b="0"/>
+          </a:effectRef>
+          <a:fontRef idx="minor">
+            <a:schemeClr val="dk1"/>
+          </a:fontRef>
+        </p:style>
+        <p:txBody>
+          <a:bodyPr rtlCol="0" anchor="ctr"/>
+          <a:lstStyle/>
+          <a:p>
+            <a:pPr algn="ctr"/>
+            <a:endParaRPr lang="fr-FR"/>
+          </a:p>
+        </p:txBody>
+      </p:sp>
+      <p:sp>
+        <p:nvSpPr>
+          <p:cNvPr id="5" name="Rectangle 4"/>
+          <p:cNvSpPr/>
+          <p:nvPr/>
+        </p:nvSpPr>
+        <p:spPr>
+          <a:xfrm>
+            <a:off x="874643" y="799168"/>
+            <a:ext cx="4108173" cy="3693319"/>
+          </a:xfrm>
+          <a:prstGeom prst="rect">
+            <a:avLst/>
+          </a:prstGeom>
+        </p:spPr>
+        <p:txBody>
+          <a:bodyPr wrap="square">
+            <a:spAutoFit/>
+          </a:bodyPr>
+          <a:lstStyle/>
+          <a:p>
+            <a:pPr algn="just" fontAlgn="t">
+              <a:buFont typeface="+mj-lt"/>
+              <a:buAutoNum type="arabicPeriod"/>
+            </a:pPr>
+            <a:r>
+              <a:rPr lang="fr-FR" dirty="0" smtClean="0">
+                <a:solidFill>
+                  <a:schemeClr val="tx1">
+                    <a:lumMod val="85000"/>
+                    <a:lumOff val="15000"/>
+                  </a:schemeClr>
+                </a:solidFill>
+                <a:latin typeface="Comic Sans MS" panose="030F0702030302020204" pitchFamily="66" charset="0"/>
+              </a:rPr>
+              <a:t>  Le </a:t>
+            </a:r>
+            <a:r>
+              <a:rPr lang="fr-FR" dirty="0">
+                <a:solidFill>
+                  <a:schemeClr val="tx1">
+                    <a:lumMod val="85000"/>
+                    <a:lumOff val="15000"/>
+                  </a:schemeClr>
+                </a:solidFill>
+                <a:latin typeface="Comic Sans MS" panose="030F0702030302020204" pitchFamily="66" charset="0"/>
+              </a:rPr>
+              <a:t>client, le plus souvent un navigateur web, envoie une requête HTTP au travers d'une URL vers un serveur.</a:t>
+            </a:r>
+          </a:p>
+          <a:p>
+            <a:pPr algn="just" fontAlgn="t">
+              <a:buFont typeface="+mj-lt"/>
+              <a:buAutoNum type="arabicPeriod"/>
+            </a:pPr>
+            <a:r>
+              <a:rPr lang="fr-FR" dirty="0" smtClean="0">
+                <a:solidFill>
+                  <a:schemeClr val="tx1">
+                    <a:lumMod val="85000"/>
+                    <a:lumOff val="15000"/>
+                  </a:schemeClr>
+                </a:solidFill>
+                <a:latin typeface="Comic Sans MS" panose="030F0702030302020204" pitchFamily="66" charset="0"/>
+              </a:rPr>
+              <a:t>  Le </a:t>
+            </a:r>
+            <a:r>
+              <a:rPr lang="fr-FR" dirty="0">
+                <a:solidFill>
+                  <a:schemeClr val="tx1">
+                    <a:lumMod val="85000"/>
+                    <a:lumOff val="15000"/>
+                  </a:schemeClr>
+                </a:solidFill>
+                <a:latin typeface="Comic Sans MS" panose="030F0702030302020204" pitchFamily="66" charset="0"/>
+              </a:rPr>
+              <a:t>serveur identifie la page à </a:t>
+            </a:r>
+            <a:r>
+              <a:rPr lang="fr-FR" dirty="0" smtClean="0">
+                <a:solidFill>
+                  <a:schemeClr val="tx1">
+                    <a:lumMod val="85000"/>
+                    <a:lumOff val="15000"/>
+                  </a:schemeClr>
+                </a:solidFill>
+                <a:latin typeface="Comic Sans MS" panose="030F0702030302020204" pitchFamily="66" charset="0"/>
+              </a:rPr>
+              <a:t>renvoyer.</a:t>
+            </a:r>
+          </a:p>
+          <a:p>
+            <a:pPr algn="just" fontAlgn="t"/>
+            <a:r>
+              <a:rPr lang="fr-FR" dirty="0">
+                <a:solidFill>
+                  <a:schemeClr val="tx1">
+                    <a:lumMod val="85000"/>
+                    <a:lumOff val="15000"/>
+                  </a:schemeClr>
+                </a:solidFill>
+                <a:latin typeface="Comic Sans MS" panose="030F0702030302020204" pitchFamily="66" charset="0"/>
+              </a:rPr>
+              <a:t>	</a:t>
+            </a:r>
+            <a:r>
+              <a:rPr lang="fr-FR" dirty="0" smtClean="0">
+                <a:solidFill>
+                  <a:schemeClr val="tx1">
+                    <a:lumMod val="85000"/>
+                    <a:lumOff val="15000"/>
+                  </a:schemeClr>
+                </a:solidFill>
+                <a:latin typeface="Comic Sans MS" panose="030F0702030302020204" pitchFamily="66" charset="0"/>
+              </a:rPr>
+              <a:t>S'il </a:t>
+            </a:r>
+            <a:r>
+              <a:rPr lang="fr-FR" dirty="0">
+                <a:solidFill>
+                  <a:schemeClr val="tx1">
+                    <a:lumMod val="85000"/>
+                    <a:lumOff val="15000"/>
+                  </a:schemeClr>
+                </a:solidFill>
+                <a:latin typeface="Comic Sans MS" panose="030F0702030302020204" pitchFamily="66" charset="0"/>
+              </a:rPr>
+              <a:t>s'agit d'un document pouvant être envoyé immédiatement, il l'envoie</a:t>
+            </a:r>
+          </a:p>
+          <a:p>
+            <a:pPr lvl="1" algn="just" fontAlgn="t"/>
+            <a:r>
+              <a:rPr lang="fr-FR" dirty="0">
+                <a:solidFill>
+                  <a:schemeClr val="tx1">
+                    <a:lumMod val="85000"/>
+                    <a:lumOff val="15000"/>
+                  </a:schemeClr>
+                </a:solidFill>
+                <a:latin typeface="Comic Sans MS" panose="030F0702030302020204" pitchFamily="66" charset="0"/>
+              </a:rPr>
+              <a:t>S'il s'agit d'un document nécessitant une interprétation, comme le PHP, il va d'abord le traiter.</a:t>
+            </a:r>
+            <a:endParaRPr lang="fr-FR" b="0" i="0" dirty="0">
+              <a:solidFill>
+                <a:schemeClr val="tx1">
+                  <a:lumMod val="85000"/>
+                  <a:lumOff val="15000"/>
+                </a:schemeClr>
+              </a:solidFill>
+              <a:effectLst/>
+              <a:latin typeface="Comic Sans MS" panose="030F0702030302020204" pitchFamily="66" charset="0"/>
+            </a:endParaRPr>
+          </a:p>
+        </p:txBody>
+      </p:sp>
+      <p:sp>
+        <p:nvSpPr>
+          <p:cNvPr id="6" name="Rectangle 5"/>
+          <p:cNvSpPr/>
+          <p:nvPr/>
+        </p:nvSpPr>
+        <p:spPr>
+          <a:xfrm>
+            <a:off x="768626" y="4628466"/>
+            <a:ext cx="10721008" cy="1477328"/>
+          </a:xfrm>
+          <a:prstGeom prst="rect">
+            <a:avLst/>
+          </a:prstGeom>
+        </p:spPr>
+        <p:txBody>
+          <a:bodyPr wrap="square">
+            <a:spAutoFit/>
+          </a:bodyPr>
+          <a:lstStyle/>
+          <a:p>
+            <a:pPr algn="just" fontAlgn="t"/>
+            <a:r>
+              <a:rPr lang="fr-FR" dirty="0" smtClean="0">
+                <a:solidFill>
+                  <a:schemeClr val="tx1">
+                    <a:lumMod val="85000"/>
+                    <a:lumOff val="15000"/>
+                  </a:schemeClr>
+                </a:solidFill>
+                <a:latin typeface="Comic Sans MS" panose="030F0702030302020204" pitchFamily="66" charset="0"/>
+              </a:rPr>
+              <a:t>3.  Le </a:t>
+            </a:r>
+            <a:r>
+              <a:rPr lang="fr-FR" dirty="0">
+                <a:solidFill>
+                  <a:schemeClr val="tx1">
+                    <a:lumMod val="85000"/>
+                    <a:lumOff val="15000"/>
+                  </a:schemeClr>
+                </a:solidFill>
+                <a:latin typeface="Comic Sans MS" panose="030F0702030302020204" pitchFamily="66" charset="0"/>
+              </a:rPr>
+              <a:t>document PHP est alors interprété en faisant éventuellement appel à des données externes provenant d'un serveur de bases de données. L’interprétation de la page PHP produit un document, souvent une page HTML, fourni au serveur.</a:t>
+            </a:r>
+          </a:p>
+          <a:p>
+            <a:pPr algn="just" fontAlgn="t"/>
+            <a:r>
+              <a:rPr lang="fr-FR" dirty="0" smtClean="0">
+                <a:solidFill>
+                  <a:schemeClr val="tx1">
+                    <a:lumMod val="85000"/>
+                    <a:lumOff val="15000"/>
+                  </a:schemeClr>
+                </a:solidFill>
+                <a:latin typeface="Comic Sans MS" panose="030F0702030302020204" pitchFamily="66" charset="0"/>
+              </a:rPr>
+              <a:t>4.   L’interprétation </a:t>
+            </a:r>
+            <a:r>
+              <a:rPr lang="fr-FR" dirty="0">
+                <a:solidFill>
+                  <a:schemeClr val="tx1">
+                    <a:lumMod val="85000"/>
+                    <a:lumOff val="15000"/>
+                  </a:schemeClr>
+                </a:solidFill>
+                <a:latin typeface="Comic Sans MS" panose="030F0702030302020204" pitchFamily="66" charset="0"/>
+              </a:rPr>
+              <a:t>de la page PHP produit une page HTML de résultat fournie au serveur.</a:t>
+            </a:r>
+          </a:p>
+          <a:p>
+            <a:pPr algn="just" fontAlgn="t"/>
+            <a:r>
+              <a:rPr lang="fr-FR" dirty="0" smtClean="0">
+                <a:solidFill>
+                  <a:schemeClr val="tx1">
+                    <a:lumMod val="85000"/>
+                    <a:lumOff val="15000"/>
+                  </a:schemeClr>
+                </a:solidFill>
+                <a:latin typeface="Comic Sans MS" panose="030F0702030302020204" pitchFamily="66" charset="0"/>
+              </a:rPr>
+              <a:t>5.   Le </a:t>
+            </a:r>
+            <a:r>
+              <a:rPr lang="fr-FR" dirty="0">
+                <a:solidFill>
+                  <a:schemeClr val="tx1">
+                    <a:lumMod val="85000"/>
+                    <a:lumOff val="15000"/>
+                  </a:schemeClr>
+                </a:solidFill>
+                <a:latin typeface="Comic Sans MS" panose="030F0702030302020204" pitchFamily="66" charset="0"/>
+              </a:rPr>
+              <a:t>serveur Web renvoie ce document, cette page, au client pour affichage.</a:t>
+            </a:r>
+            <a:endParaRPr lang="fr-FR" b="0" i="0" dirty="0">
+              <a:solidFill>
+                <a:schemeClr val="tx1">
+                  <a:lumMod val="85000"/>
+                  <a:lumOff val="15000"/>
+                </a:schemeClr>
+              </a:solidFill>
+              <a:effectLst/>
+              <a:latin typeface="Comic Sans MS" panose="030F0702030302020204" pitchFamily="66" charset="0"/>
+            </a:endParaRPr>
+          </a:p>
+        </p:txBody>
+      </p:sp>
+    </p:spTree>
+    <p:extLst>
+      <p:ext uri="{BB962C8B-B14F-4D97-AF65-F5344CB8AC3E}">
+        <p14:creationId xmlns:p14="http://schemas.microsoft.com/office/powerpoint/2010/main" val="3945798607"/>
+      </p:ext>
+    </p:extLst>
+  </p:cSld>
+  <p:clrMapOvr>
+    <a:masterClrMapping/>
+  </p:clrMapOvr>
+</p:sld>
+</file>
+
+<file path=ppt/slides/slide9.xml><?xml version="1.0" encoding="utf-8"?>
+<p:sld xmlns:a="http://schemas.openxmlformats.org/drawingml/2006/main" xmlns:r="http://schemas.openxmlformats.org/officeDocument/2006/relationships" xmlns:p="http://schemas.openxmlformats.org/presentationml/2006/main">
+  <p:cSld>
+    <p:spTree>
+      <p:nvGrpSpPr>
+        <p:cNvPr id="1" name=""/>
+        <p:cNvGrpSpPr/>
+        <p:nvPr/>
+      </p:nvGrpSpPr>
+      <p:grpSpPr>
+        <a:xfrm>
+          <a:off x="0" y="0"/>
+          <a:ext cx="0" cy="0"/>
+          <a:chOff x="0" y="0"/>
+          <a:chExt cx="0" cy="0"/>
+        </a:xfrm>
+      </p:grpSpPr>
+      <p:sp>
+        <p:nvSpPr>
+          <p:cNvPr id="2" name="Titre 1"/>
+          <p:cNvSpPr>
+            <a:spLocks noGrp="1"/>
+          </p:cNvSpPr>
+          <p:nvPr>
+            <p:ph type="title"/>
+          </p:nvPr>
+        </p:nvSpPr>
+        <p:spPr>
+          <a:xfrm>
+            <a:off x="1295402" y="982133"/>
+            <a:ext cx="9601196" cy="992442"/>
+          </a:xfrm>
+        </p:spPr>
+        <p:txBody>
+          <a:bodyPr/>
+          <a:lstStyle/>
+          <a:p>
+            <a:r>
+              <a:rPr lang="fr-FR" b="1" dirty="0">
+                <a:solidFill>
+                  <a:srgbClr val="C00000"/>
+                </a:solidFill>
+              </a:rPr>
+              <a:t>II. Fonctionnement</a:t>
+            </a:r>
+            <a:endParaRPr lang="fr-FR" dirty="0"/>
+          </a:p>
+        </p:txBody>
+      </p:sp>
+      <p:sp>
+        <p:nvSpPr>
+          <p:cNvPr id="3" name="Espace réservé du contenu 2"/>
+          <p:cNvSpPr>
+            <a:spLocks noGrp="1"/>
+          </p:cNvSpPr>
+          <p:nvPr>
+            <p:ph idx="1"/>
+          </p:nvPr>
+        </p:nvSpPr>
+        <p:spPr>
+          <a:xfrm>
+            <a:off x="1669773" y="2556931"/>
+            <a:ext cx="9090991" cy="3645085"/>
+          </a:xfrm>
+        </p:spPr>
+        <p:txBody>
+          <a:bodyPr>
+            <a:normAutofit fontScale="47500" lnSpcReduction="20000"/>
+          </a:bodyPr>
+          <a:lstStyle/>
+          <a:p>
+            <a:pPr marL="0" indent="0" algn="just">
+              <a:buNone/>
+            </a:pPr>
+            <a:r>
+              <a:rPr lang="fr-FR" sz="5100" dirty="0" smtClean="0">
+                <a:latin typeface="Comic Sans MS" panose="030F0702030302020204" pitchFamily="66" charset="0"/>
+              </a:rPr>
+              <a:t>Syntaxe exemple</a:t>
+            </a:r>
+          </a:p>
+          <a:p>
+            <a:pPr marL="0" indent="0" algn="just">
+              <a:buNone/>
+            </a:pPr>
+            <a:endParaRPr lang="en-US" dirty="0">
+              <a:solidFill>
+                <a:srgbClr val="0000CD"/>
+              </a:solidFill>
+            </a:endParaRPr>
+          </a:p>
+          <a:p>
+            <a:pPr marL="0" indent="0">
+              <a:buNone/>
+            </a:pPr>
+            <a:r>
+              <a:rPr lang="en-US" sz="3800" dirty="0" smtClean="0">
+                <a:solidFill>
+                  <a:srgbClr val="0000CD"/>
+                </a:solidFill>
+              </a:rPr>
+              <a:t>&lt;</a:t>
+            </a:r>
+            <a:r>
+              <a:rPr lang="en-US" sz="3800" dirty="0" smtClean="0">
+                <a:solidFill>
+                  <a:srgbClr val="A52A2A"/>
+                </a:solidFill>
+              </a:rPr>
+              <a:t>!</a:t>
+            </a:r>
+            <a:r>
+              <a:rPr lang="en-US" sz="3800" dirty="0">
+                <a:solidFill>
+                  <a:srgbClr val="A52A2A"/>
+                </a:solidFill>
+              </a:rPr>
+              <a:t>DOCTYPE</a:t>
+            </a:r>
+            <a:r>
+              <a:rPr lang="en-US" sz="3800" dirty="0">
+                <a:solidFill>
+                  <a:srgbClr val="FF0000"/>
+                </a:solidFill>
+              </a:rPr>
+              <a:t> html</a:t>
+            </a:r>
+            <a:r>
+              <a:rPr lang="en-US" sz="3800" dirty="0">
+                <a:solidFill>
+                  <a:srgbClr val="0000CD"/>
+                </a:solidFill>
+              </a:rPr>
+              <a:t>&gt;</a:t>
+            </a:r>
+            <a:r>
+              <a:rPr lang="en-US" sz="3800" dirty="0"/>
+              <a:t/>
+            </a:r>
+            <a:br>
+              <a:rPr lang="en-US" sz="3800" dirty="0"/>
+            </a:br>
+            <a:r>
+              <a:rPr lang="en-US" sz="3800" dirty="0">
+                <a:solidFill>
+                  <a:srgbClr val="0000CD"/>
+                </a:solidFill>
+              </a:rPr>
+              <a:t>&lt;</a:t>
+            </a:r>
+            <a:r>
+              <a:rPr lang="en-US" sz="3800" dirty="0">
+                <a:solidFill>
+                  <a:srgbClr val="A52A2A"/>
+                </a:solidFill>
+              </a:rPr>
+              <a:t>html</a:t>
+            </a:r>
+            <a:r>
+              <a:rPr lang="en-US" sz="3800" dirty="0">
+                <a:solidFill>
+                  <a:srgbClr val="0000CD"/>
+                </a:solidFill>
+              </a:rPr>
+              <a:t>&gt;</a:t>
+            </a:r>
+            <a:r>
+              <a:rPr lang="en-US" sz="3800" dirty="0"/>
+              <a:t/>
+            </a:r>
+            <a:br>
+              <a:rPr lang="en-US" sz="3800" dirty="0"/>
+            </a:br>
+            <a:r>
+              <a:rPr lang="en-US" sz="3800" dirty="0">
+                <a:solidFill>
+                  <a:srgbClr val="0000CD"/>
+                </a:solidFill>
+              </a:rPr>
+              <a:t>&lt;</a:t>
+            </a:r>
+            <a:r>
+              <a:rPr lang="en-US" sz="3800" dirty="0">
+                <a:solidFill>
+                  <a:srgbClr val="A52A2A"/>
+                </a:solidFill>
+              </a:rPr>
+              <a:t>body</a:t>
+            </a:r>
+            <a:r>
+              <a:rPr lang="en-US" sz="3800" dirty="0">
+                <a:solidFill>
+                  <a:srgbClr val="0000CD"/>
+                </a:solidFill>
+              </a:rPr>
+              <a:t>&gt;</a:t>
+            </a:r>
+            <a:r>
+              <a:rPr lang="en-US" sz="3800" dirty="0"/>
+              <a:t/>
+            </a:r>
+            <a:br>
+              <a:rPr lang="en-US" sz="3800" dirty="0"/>
+            </a:br>
+            <a:r>
+              <a:rPr lang="en-US" sz="3800" dirty="0"/>
+              <a:t/>
+            </a:r>
+            <a:br>
+              <a:rPr lang="en-US" sz="3800" dirty="0"/>
+            </a:br>
+            <a:r>
+              <a:rPr lang="en-US" sz="3800" dirty="0">
+                <a:solidFill>
+                  <a:srgbClr val="0000CD"/>
+                </a:solidFill>
+              </a:rPr>
+              <a:t>&lt;</a:t>
+            </a:r>
+            <a:r>
+              <a:rPr lang="en-US" sz="3800" dirty="0">
+                <a:solidFill>
+                  <a:srgbClr val="A52A2A"/>
+                </a:solidFill>
+              </a:rPr>
+              <a:t>h1</a:t>
+            </a:r>
+            <a:r>
+              <a:rPr lang="en-US" sz="3800" dirty="0">
+                <a:solidFill>
+                  <a:srgbClr val="0000CD"/>
+                </a:solidFill>
+              </a:rPr>
+              <a:t>&gt;</a:t>
+            </a:r>
+            <a:r>
+              <a:rPr lang="en-US" sz="3800" dirty="0"/>
+              <a:t>My first PHP page</a:t>
+            </a:r>
+            <a:r>
+              <a:rPr lang="en-US" sz="3800" dirty="0">
+                <a:solidFill>
+                  <a:srgbClr val="0000CD"/>
+                </a:solidFill>
+              </a:rPr>
+              <a:t>&lt;</a:t>
+            </a:r>
+            <a:r>
+              <a:rPr lang="en-US" sz="3800" dirty="0">
+                <a:solidFill>
+                  <a:srgbClr val="A52A2A"/>
+                </a:solidFill>
+              </a:rPr>
+              <a:t>/h1</a:t>
+            </a:r>
+            <a:r>
+              <a:rPr lang="en-US" sz="3800" dirty="0">
+                <a:solidFill>
+                  <a:srgbClr val="0000CD"/>
+                </a:solidFill>
+              </a:rPr>
+              <a:t>&gt;</a:t>
+            </a:r>
+            <a:r>
+              <a:rPr lang="en-US" sz="3800" dirty="0"/>
+              <a:t/>
+            </a:r>
+            <a:br>
+              <a:rPr lang="en-US" sz="3800" dirty="0"/>
+            </a:br>
+            <a:r>
+              <a:rPr lang="en-US" sz="3800" dirty="0"/>
+              <a:t/>
+            </a:r>
+            <a:br>
+              <a:rPr lang="en-US" sz="3800" dirty="0"/>
+            </a:br>
+            <a:r>
+              <a:rPr lang="en-US" sz="3800" dirty="0">
+                <a:solidFill>
+                  <a:srgbClr val="FF0000"/>
+                </a:solidFill>
+              </a:rPr>
+              <a:t>&lt;?</a:t>
+            </a:r>
+            <a:r>
+              <a:rPr lang="en-US" sz="3800" dirty="0" err="1">
+                <a:solidFill>
+                  <a:srgbClr val="FF0000"/>
+                </a:solidFill>
+              </a:rPr>
+              <a:t>php</a:t>
+            </a:r>
+            <a:r>
+              <a:rPr lang="en-US" sz="3800" dirty="0">
+                <a:solidFill>
+                  <a:srgbClr val="000000"/>
+                </a:solidFill>
+              </a:rPr>
+              <a:t/>
+            </a:r>
+            <a:br>
+              <a:rPr lang="en-US" sz="3800" dirty="0">
+                <a:solidFill>
+                  <a:srgbClr val="000000"/>
+                </a:solidFill>
+              </a:rPr>
+            </a:br>
+            <a:r>
+              <a:rPr lang="en-US" sz="3800" dirty="0">
+                <a:solidFill>
+                  <a:srgbClr val="0000CD"/>
+                </a:solidFill>
+              </a:rPr>
+              <a:t>echo</a:t>
+            </a:r>
+            <a:r>
+              <a:rPr lang="en-US" sz="3800" dirty="0">
+                <a:solidFill>
+                  <a:srgbClr val="000000"/>
+                </a:solidFill>
+              </a:rPr>
+              <a:t> </a:t>
+            </a:r>
+            <a:r>
+              <a:rPr lang="en-US" sz="3800" dirty="0">
+                <a:solidFill>
+                  <a:srgbClr val="A52A2A"/>
+                </a:solidFill>
+              </a:rPr>
+              <a:t>"Hello World!"</a:t>
+            </a:r>
+            <a:r>
+              <a:rPr lang="en-US" sz="3800" dirty="0">
+                <a:solidFill>
+                  <a:srgbClr val="000000"/>
+                </a:solidFill>
+              </a:rPr>
+              <a:t>;</a:t>
+            </a:r>
+            <a:br>
+              <a:rPr lang="en-US" sz="3800" dirty="0">
+                <a:solidFill>
+                  <a:srgbClr val="000000"/>
+                </a:solidFill>
+              </a:rPr>
+            </a:br>
+            <a:r>
+              <a:rPr lang="en-US" sz="3800" dirty="0">
+                <a:solidFill>
+                  <a:srgbClr val="FF0000"/>
+                </a:solidFill>
+              </a:rPr>
+              <a:t>?&gt;</a:t>
+            </a:r>
+            <a:r>
+              <a:rPr lang="en-US" sz="3800" dirty="0"/>
+              <a:t/>
+            </a:r>
+            <a:br>
+              <a:rPr lang="en-US" sz="3800" dirty="0"/>
+            </a:br>
+            <a:r>
+              <a:rPr lang="en-US" sz="3800" dirty="0"/>
+              <a:t/>
+            </a:r>
+            <a:br>
+              <a:rPr lang="en-US" sz="3800" dirty="0"/>
+            </a:br>
+            <a:r>
+              <a:rPr lang="en-US" sz="3800" dirty="0">
+                <a:solidFill>
+                  <a:srgbClr val="0000CD"/>
+                </a:solidFill>
+              </a:rPr>
+              <a:t>&lt;</a:t>
+            </a:r>
+            <a:r>
+              <a:rPr lang="en-US" sz="3800" dirty="0">
+                <a:solidFill>
+                  <a:srgbClr val="A52A2A"/>
+                </a:solidFill>
+              </a:rPr>
+              <a:t>/body</a:t>
+            </a:r>
+            <a:r>
+              <a:rPr lang="en-US" sz="3800" dirty="0">
+                <a:solidFill>
+                  <a:srgbClr val="0000CD"/>
+                </a:solidFill>
+              </a:rPr>
+              <a:t>&gt;</a:t>
+            </a:r>
+            <a:r>
+              <a:rPr lang="en-US" sz="3800" dirty="0"/>
+              <a:t/>
+            </a:r>
+            <a:br>
+              <a:rPr lang="en-US" sz="3800" dirty="0"/>
+            </a:br>
+            <a:r>
+              <a:rPr lang="en-US" sz="3800" dirty="0">
+                <a:solidFill>
+                  <a:srgbClr val="0000CD"/>
+                </a:solidFill>
+              </a:rPr>
+              <a:t>&lt;</a:t>
+            </a:r>
+            <a:r>
+              <a:rPr lang="en-US" sz="3800" dirty="0">
+                <a:solidFill>
+                  <a:srgbClr val="A52A2A"/>
+                </a:solidFill>
+              </a:rPr>
+              <a:t>/html</a:t>
+            </a:r>
+            <a:r>
+              <a:rPr lang="en-US" sz="3800" dirty="0">
+                <a:solidFill>
+                  <a:srgbClr val="0000CD"/>
+                </a:solidFill>
+              </a:rPr>
+              <a:t>&gt;</a:t>
+            </a:r>
+            <a:r>
+              <a:rPr lang="en-US" sz="3800" dirty="0"/>
+              <a:t> </a:t>
+            </a:r>
+          </a:p>
+          <a:p>
+            <a:pPr marL="0" indent="0">
+              <a:buNone/>
+            </a:pPr>
+            <a:endParaRPr lang="fr-FR" dirty="0"/>
+          </a:p>
+        </p:txBody>
+      </p:sp>
+    </p:spTree>
+    <p:extLst>
+      <p:ext uri="{BB962C8B-B14F-4D97-AF65-F5344CB8AC3E}">
+        <p14:creationId xmlns:p14="http://schemas.microsoft.com/office/powerpoint/2010/main" val="3228199968"/>
       </p:ext>
     </p:extLst>
   </p:cSld>
